--- a/Assets/ReSurvivor2/Specifications/ReSurvivor2_Proposal・Specification.pptx
+++ b/Assets/ReSurvivor2/Specifications/ReSurvivor2_Proposal・Specification.pptx
@@ -9,7 +9,8 @@
     <p:sldId id="258" r:id="rId3"/>
     <p:sldId id="257" r:id="rId4"/>
     <p:sldId id="259" r:id="rId5"/>
-    <p:sldId id="260" r:id="rId6"/>
+    <p:sldId id="261" r:id="rId6"/>
+    <p:sldId id="260" r:id="rId7"/>
   </p:sldIdLst>
   <p:sldSz cx="12192000" cy="6858000"/>
   <p:notesSz cx="6858000" cy="9144000"/>
@@ -263,7 +264,7 @@
           <a:p>
             <a:fld id="{305BA3F2-5BE5-4B8B-A2F9-5841F3EE7918}" type="datetimeFigureOut">
               <a:rPr kumimoji="1" lang="ja-JP" altLang="en-US" smtClean="0"/>
-              <a:t>2024/11/9</a:t>
+              <a:t>2024/11/10</a:t>
             </a:fld>
             <a:endParaRPr kumimoji="1" lang="ja-JP" altLang="en-US"/>
           </a:p>
@@ -493,7 +494,7 @@
           <a:p>
             <a:fld id="{305BA3F2-5BE5-4B8B-A2F9-5841F3EE7918}" type="datetimeFigureOut">
               <a:rPr kumimoji="1" lang="ja-JP" altLang="en-US" smtClean="0"/>
-              <a:t>2024/11/9</a:t>
+              <a:t>2024/11/10</a:t>
             </a:fld>
             <a:endParaRPr kumimoji="1" lang="ja-JP" altLang="en-US"/>
           </a:p>
@@ -733,7 +734,7 @@
           <a:p>
             <a:fld id="{305BA3F2-5BE5-4B8B-A2F9-5841F3EE7918}" type="datetimeFigureOut">
               <a:rPr kumimoji="1" lang="ja-JP" altLang="en-US" smtClean="0"/>
-              <a:t>2024/11/9</a:t>
+              <a:t>2024/11/10</a:t>
             </a:fld>
             <a:endParaRPr kumimoji="1" lang="ja-JP" altLang="en-US"/>
           </a:p>
@@ -963,7 +964,7 @@
           <a:p>
             <a:fld id="{305BA3F2-5BE5-4B8B-A2F9-5841F3EE7918}" type="datetimeFigureOut">
               <a:rPr kumimoji="1" lang="ja-JP" altLang="en-US" smtClean="0"/>
-              <a:t>2024/11/9</a:t>
+              <a:t>2024/11/10</a:t>
             </a:fld>
             <a:endParaRPr kumimoji="1" lang="ja-JP" altLang="en-US"/>
           </a:p>
@@ -1238,7 +1239,7 @@
           <a:p>
             <a:fld id="{305BA3F2-5BE5-4B8B-A2F9-5841F3EE7918}" type="datetimeFigureOut">
               <a:rPr kumimoji="1" lang="ja-JP" altLang="en-US" smtClean="0"/>
-              <a:t>2024/11/9</a:t>
+              <a:t>2024/11/10</a:t>
             </a:fld>
             <a:endParaRPr kumimoji="1" lang="ja-JP" altLang="en-US"/>
           </a:p>
@@ -1567,7 +1568,7 @@
           <a:p>
             <a:fld id="{305BA3F2-5BE5-4B8B-A2F9-5841F3EE7918}" type="datetimeFigureOut">
               <a:rPr kumimoji="1" lang="ja-JP" altLang="en-US" smtClean="0"/>
-              <a:t>2024/11/9</a:t>
+              <a:t>2024/11/10</a:t>
             </a:fld>
             <a:endParaRPr kumimoji="1" lang="ja-JP" altLang="en-US"/>
           </a:p>
@@ -2043,7 +2044,7 @@
           <a:p>
             <a:fld id="{305BA3F2-5BE5-4B8B-A2F9-5841F3EE7918}" type="datetimeFigureOut">
               <a:rPr kumimoji="1" lang="ja-JP" altLang="en-US" smtClean="0"/>
-              <a:t>2024/11/9</a:t>
+              <a:t>2024/11/10</a:t>
             </a:fld>
             <a:endParaRPr kumimoji="1" lang="ja-JP" altLang="en-US"/>
           </a:p>
@@ -2184,7 +2185,7 @@
           <a:p>
             <a:fld id="{305BA3F2-5BE5-4B8B-A2F9-5841F3EE7918}" type="datetimeFigureOut">
               <a:rPr kumimoji="1" lang="ja-JP" altLang="en-US" smtClean="0"/>
-              <a:t>2024/11/9</a:t>
+              <a:t>2024/11/10</a:t>
             </a:fld>
             <a:endParaRPr kumimoji="1" lang="ja-JP" altLang="en-US"/>
           </a:p>
@@ -2297,7 +2298,7 @@
           <a:p>
             <a:fld id="{305BA3F2-5BE5-4B8B-A2F9-5841F3EE7918}" type="datetimeFigureOut">
               <a:rPr kumimoji="1" lang="ja-JP" altLang="en-US" smtClean="0"/>
-              <a:t>2024/11/9</a:t>
+              <a:t>2024/11/10</a:t>
             </a:fld>
             <a:endParaRPr kumimoji="1" lang="ja-JP" altLang="en-US"/>
           </a:p>
@@ -2640,7 +2641,7 @@
           <a:p>
             <a:fld id="{305BA3F2-5BE5-4B8B-A2F9-5841F3EE7918}" type="datetimeFigureOut">
               <a:rPr kumimoji="1" lang="ja-JP" altLang="en-US" smtClean="0"/>
-              <a:t>2024/11/9</a:t>
+              <a:t>2024/11/10</a:t>
             </a:fld>
             <a:endParaRPr kumimoji="1" lang="ja-JP" altLang="en-US"/>
           </a:p>
@@ -2928,7 +2929,7 @@
           <a:p>
             <a:fld id="{305BA3F2-5BE5-4B8B-A2F9-5841F3EE7918}" type="datetimeFigureOut">
               <a:rPr kumimoji="1" lang="ja-JP" altLang="en-US" smtClean="0"/>
-              <a:t>2024/11/9</a:t>
+              <a:t>2024/11/10</a:t>
             </a:fld>
             <a:endParaRPr kumimoji="1" lang="ja-JP" altLang="en-US"/>
           </a:p>
@@ -3201,7 +3202,7 @@
           <a:p>
             <a:fld id="{305BA3F2-5BE5-4B8B-A2F9-5841F3EE7918}" type="datetimeFigureOut">
               <a:rPr kumimoji="1" lang="ja-JP" altLang="en-US" smtClean="0"/>
-              <a:t>2024/11/9</a:t>
+              <a:t>2024/11/10</a:t>
             </a:fld>
             <a:endParaRPr kumimoji="1" lang="ja-JP" altLang="en-US"/>
           </a:p>
@@ -5446,6 +5447,1278 @@
 </file>
 
 <file path=ppt/slides/slide5.xml><?xml version="1.0" encoding="utf-8"?>
+<p:sld xmlns:a="http://schemas.openxmlformats.org/drawingml/2006/main" xmlns:r="http://schemas.openxmlformats.org/officeDocument/2006/relationships" xmlns:p="http://schemas.openxmlformats.org/presentationml/2006/main">
+  <p:cSld>
+    <p:spTree>
+      <p:nvGrpSpPr>
+        <p:cNvPr id="1" name="">
+          <a:extLst>
+            <a:ext uri="{FF2B5EF4-FFF2-40B4-BE49-F238E27FC236}">
+              <a16:creationId xmlns:a16="http://schemas.microsoft.com/office/drawing/2014/main" id="{3C430771-A7EC-9243-5C2B-3F742BF9A740}"/>
+            </a:ext>
+          </a:extLst>
+        </p:cNvPr>
+        <p:cNvGrpSpPr/>
+        <p:nvPr/>
+      </p:nvGrpSpPr>
+      <p:grpSpPr>
+        <a:xfrm>
+          <a:off x="0" y="0"/>
+          <a:ext cx="0" cy="0"/>
+          <a:chOff x="0" y="0"/>
+          <a:chExt cx="0" cy="0"/>
+        </a:xfrm>
+      </p:grpSpPr>
+      <p:sp>
+        <p:nvSpPr>
+          <p:cNvPr id="2" name="正方形/長方形 1">
+            <a:extLst>
+              <a:ext uri="{FF2B5EF4-FFF2-40B4-BE49-F238E27FC236}">
+                <a16:creationId xmlns:a16="http://schemas.microsoft.com/office/drawing/2014/main" id="{4FA739A1-4E65-704F-A401-B185DEE631A0}"/>
+              </a:ext>
+            </a:extLst>
+          </p:cNvPr>
+          <p:cNvSpPr>
+            <a:spLocks noChangeAspect="1"/>
+          </p:cNvSpPr>
+          <p:nvPr/>
+        </p:nvSpPr>
+        <p:spPr>
+          <a:xfrm>
+            <a:off x="3216000" y="549000"/>
+            <a:ext cx="5760000" cy="5760000"/>
+          </a:xfrm>
+          <a:prstGeom prst="rect">
+            <a:avLst/>
+          </a:prstGeom>
+          <a:noFill/>
+          <a:ln>
+            <a:solidFill>
+              <a:srgbClr val="FFC000"/>
+            </a:solidFill>
+          </a:ln>
+        </p:spPr>
+        <p:style>
+          <a:lnRef idx="2">
+            <a:schemeClr val="accent1">
+              <a:shade val="15000"/>
+            </a:schemeClr>
+          </a:lnRef>
+          <a:fillRef idx="1">
+            <a:schemeClr val="accent1"/>
+          </a:fillRef>
+          <a:effectRef idx="0">
+            <a:schemeClr val="accent1"/>
+          </a:effectRef>
+          <a:fontRef idx="minor">
+            <a:schemeClr val="lt1"/>
+          </a:fontRef>
+        </p:style>
+        <p:txBody>
+          <a:bodyPr rtlCol="0" anchor="ctr"/>
+          <a:lstStyle/>
+          <a:p>
+            <a:pPr algn="ctr"/>
+            <a:endParaRPr kumimoji="1" lang="ja-JP" altLang="en-US"/>
+          </a:p>
+        </p:txBody>
+      </p:sp>
+      <p:sp>
+        <p:nvSpPr>
+          <p:cNvPr id="3" name="タイトル 1">
+            <a:extLst>
+              <a:ext uri="{FF2B5EF4-FFF2-40B4-BE49-F238E27FC236}">
+                <a16:creationId xmlns:a16="http://schemas.microsoft.com/office/drawing/2014/main" id="{B7C5AD22-5ABF-5A98-DC13-3A222FA52295}"/>
+              </a:ext>
+            </a:extLst>
+          </p:cNvPr>
+          <p:cNvSpPr txBox="1">
+            <a:spLocks/>
+          </p:cNvSpPr>
+          <p:nvPr/>
+        </p:nvSpPr>
+        <p:spPr>
+          <a:xfrm>
+            <a:off x="360000" y="360000"/>
+            <a:ext cx="2520000" cy="720000"/>
+          </a:xfrm>
+          <a:prstGeom prst="rect">
+            <a:avLst/>
+          </a:prstGeom>
+        </p:spPr>
+        <p:txBody>
+          <a:bodyPr/>
+          <a:lstStyle>
+            <a:lvl1pPr algn="l" defTabSz="914400" rtl="0" eaLnBrk="1" latinLnBrk="0" hangingPunct="1">
+              <a:lnSpc>
+                <a:spcPct val="90000"/>
+              </a:lnSpc>
+              <a:spcBef>
+                <a:spcPct val="0"/>
+              </a:spcBef>
+              <a:buNone/>
+              <a:defRPr kumimoji="1" sz="4400" kern="1200">
+                <a:solidFill>
+                  <a:schemeClr val="tx1"/>
+                </a:solidFill>
+                <a:latin typeface="+mj-lt"/>
+                <a:ea typeface="+mj-ea"/>
+                <a:cs typeface="+mj-cs"/>
+              </a:defRPr>
+            </a:lvl1pPr>
+          </a:lstStyle>
+          <a:p>
+            <a:r>
+              <a:rPr lang="ja-JP" altLang="en-US" sz="2800" b="1" dirty="0">
+                <a:latin typeface="メイリオ" panose="020B0604030504040204" pitchFamily="50" charset="-128"/>
+                <a:ea typeface="メイリオ" panose="020B0604030504040204" pitchFamily="50" charset="-128"/>
+              </a:rPr>
+              <a:t>ステージ</a:t>
+            </a:r>
+            <a:r>
+              <a:rPr lang="en-US" altLang="ja-JP" sz="2800" b="1" dirty="0">
+                <a:latin typeface="メイリオ" panose="020B0604030504040204" pitchFamily="50" charset="-128"/>
+                <a:ea typeface="メイリオ" panose="020B0604030504040204" pitchFamily="50" charset="-128"/>
+              </a:rPr>
+              <a:t>2</a:t>
+            </a:r>
+            <a:endParaRPr lang="ja-JP" altLang="en-US" sz="2800" b="1" dirty="0">
+              <a:latin typeface="メイリオ" panose="020B0604030504040204" pitchFamily="50" charset="-128"/>
+              <a:ea typeface="メイリオ" panose="020B0604030504040204" pitchFamily="50" charset="-128"/>
+            </a:endParaRPr>
+          </a:p>
+        </p:txBody>
+      </p:sp>
+      <p:sp>
+        <p:nvSpPr>
+          <p:cNvPr id="4" name="四角形: 角を丸くする 3">
+            <a:extLst>
+              <a:ext uri="{FF2B5EF4-FFF2-40B4-BE49-F238E27FC236}">
+                <a16:creationId xmlns:a16="http://schemas.microsoft.com/office/drawing/2014/main" id="{8995E242-F18B-4493-6ECD-4E263276379F}"/>
+              </a:ext>
+            </a:extLst>
+          </p:cNvPr>
+          <p:cNvSpPr/>
+          <p:nvPr/>
+        </p:nvSpPr>
+        <p:spPr>
+          <a:xfrm>
+            <a:off x="5400000" y="540000"/>
+            <a:ext cx="1440000" cy="360000"/>
+          </a:xfrm>
+          <a:prstGeom prst="roundRect">
+            <a:avLst/>
+          </a:prstGeom>
+          <a:solidFill>
+            <a:srgbClr val="FFC000"/>
+          </a:solidFill>
+          <a:ln>
+            <a:noFill/>
+          </a:ln>
+        </p:spPr>
+        <p:style>
+          <a:lnRef idx="2">
+            <a:schemeClr val="accent1">
+              <a:shade val="15000"/>
+            </a:schemeClr>
+          </a:lnRef>
+          <a:fillRef idx="1">
+            <a:schemeClr val="accent1"/>
+          </a:fillRef>
+          <a:effectRef idx="0">
+            <a:schemeClr val="accent1"/>
+          </a:effectRef>
+          <a:fontRef idx="minor">
+            <a:schemeClr val="lt1"/>
+          </a:fontRef>
+        </p:style>
+        <p:txBody>
+          <a:bodyPr rtlCol="0" anchor="ctr"/>
+          <a:lstStyle/>
+          <a:p>
+            <a:pPr algn="ctr"/>
+            <a:r>
+              <a:rPr lang="ja-JP" altLang="en-US" sz="1400" dirty="0">
+                <a:latin typeface="メイリオ" panose="020B0604030504040204" pitchFamily="50" charset="-128"/>
+                <a:ea typeface="メイリオ" panose="020B0604030504040204" pitchFamily="50" charset="-128"/>
+              </a:rPr>
+              <a:t>ゴール</a:t>
+            </a:r>
+            <a:r>
+              <a:rPr kumimoji="1" lang="ja-JP" altLang="en-US" sz="1400" dirty="0">
+                <a:latin typeface="メイリオ" panose="020B0604030504040204" pitchFamily="50" charset="-128"/>
+                <a:ea typeface="メイリオ" panose="020B0604030504040204" pitchFamily="50" charset="-128"/>
+              </a:rPr>
+              <a:t>へ</a:t>
+            </a:r>
+          </a:p>
+        </p:txBody>
+      </p:sp>
+      <p:sp>
+        <p:nvSpPr>
+          <p:cNvPr id="5" name="四角形: 角を丸くする 4">
+            <a:extLst>
+              <a:ext uri="{FF2B5EF4-FFF2-40B4-BE49-F238E27FC236}">
+                <a16:creationId xmlns:a16="http://schemas.microsoft.com/office/drawing/2014/main" id="{8B916DEA-5BD7-C14B-7D8B-A52809C0007C}"/>
+              </a:ext>
+            </a:extLst>
+          </p:cNvPr>
+          <p:cNvSpPr/>
+          <p:nvPr/>
+        </p:nvSpPr>
+        <p:spPr>
+          <a:xfrm rot="3348956">
+            <a:off x="3097437" y="5423255"/>
+            <a:ext cx="1440000" cy="360000"/>
+          </a:xfrm>
+          <a:prstGeom prst="roundRect">
+            <a:avLst/>
+          </a:prstGeom>
+          <a:solidFill>
+            <a:srgbClr val="FFC000"/>
+          </a:solidFill>
+          <a:ln>
+            <a:noFill/>
+          </a:ln>
+        </p:spPr>
+        <p:style>
+          <a:lnRef idx="2">
+            <a:schemeClr val="accent1">
+              <a:shade val="15000"/>
+            </a:schemeClr>
+          </a:lnRef>
+          <a:fillRef idx="1">
+            <a:schemeClr val="accent1"/>
+          </a:fillRef>
+          <a:effectRef idx="0">
+            <a:schemeClr val="accent1"/>
+          </a:effectRef>
+          <a:fontRef idx="minor">
+            <a:schemeClr val="lt1"/>
+          </a:fontRef>
+        </p:style>
+        <p:txBody>
+          <a:bodyPr rtlCol="0" anchor="ctr"/>
+          <a:lstStyle/>
+          <a:p>
+            <a:pPr algn="ctr"/>
+            <a:r>
+              <a:rPr kumimoji="1" lang="ja-JP" altLang="en-US" sz="1400" dirty="0">
+                <a:latin typeface="メイリオ" panose="020B0604030504040204" pitchFamily="50" charset="-128"/>
+                <a:ea typeface="メイリオ" panose="020B0604030504040204" pitchFamily="50" charset="-128"/>
+              </a:rPr>
+              <a:t>ステージ</a:t>
+            </a:r>
+            <a:r>
+              <a:rPr lang="en-US" altLang="ja-JP" sz="1400" dirty="0">
+                <a:latin typeface="メイリオ" panose="020B0604030504040204" pitchFamily="50" charset="-128"/>
+                <a:ea typeface="メイリオ" panose="020B0604030504040204" pitchFamily="50" charset="-128"/>
+              </a:rPr>
+              <a:t>3</a:t>
+            </a:r>
+            <a:r>
+              <a:rPr kumimoji="1" lang="ja-JP" altLang="en-US" sz="1400" dirty="0">
+                <a:latin typeface="メイリオ" panose="020B0604030504040204" pitchFamily="50" charset="-128"/>
+                <a:ea typeface="メイリオ" panose="020B0604030504040204" pitchFamily="50" charset="-128"/>
+              </a:rPr>
+              <a:t>へ</a:t>
+            </a:r>
+          </a:p>
+        </p:txBody>
+      </p:sp>
+      <p:sp>
+        <p:nvSpPr>
+          <p:cNvPr id="6" name="四角形: 角を丸くする 5">
+            <a:extLst>
+              <a:ext uri="{FF2B5EF4-FFF2-40B4-BE49-F238E27FC236}">
+                <a16:creationId xmlns:a16="http://schemas.microsoft.com/office/drawing/2014/main" id="{06B17BF8-4245-10F3-A19A-E1E1F48F7A09}"/>
+              </a:ext>
+            </a:extLst>
+          </p:cNvPr>
+          <p:cNvSpPr/>
+          <p:nvPr/>
+        </p:nvSpPr>
+        <p:spPr>
+          <a:xfrm>
+            <a:off x="5400000" y="5940000"/>
+            <a:ext cx="1440000" cy="360000"/>
+          </a:xfrm>
+          <a:prstGeom prst="roundRect">
+            <a:avLst/>
+          </a:prstGeom>
+          <a:solidFill>
+            <a:srgbClr val="FFC000"/>
+          </a:solidFill>
+          <a:ln>
+            <a:noFill/>
+          </a:ln>
+        </p:spPr>
+        <p:style>
+          <a:lnRef idx="2">
+            <a:schemeClr val="accent1">
+              <a:shade val="15000"/>
+            </a:schemeClr>
+          </a:lnRef>
+          <a:fillRef idx="1">
+            <a:schemeClr val="accent1"/>
+          </a:fillRef>
+          <a:effectRef idx="0">
+            <a:schemeClr val="accent1"/>
+          </a:effectRef>
+          <a:fontRef idx="minor">
+            <a:schemeClr val="lt1"/>
+          </a:fontRef>
+        </p:style>
+        <p:txBody>
+          <a:bodyPr rtlCol="0" anchor="ctr"/>
+          <a:lstStyle/>
+          <a:p>
+            <a:pPr algn="ctr"/>
+            <a:r>
+              <a:rPr kumimoji="1" lang="ja-JP" altLang="en-US" sz="1400" dirty="0">
+                <a:latin typeface="メイリオ" panose="020B0604030504040204" pitchFamily="50" charset="-128"/>
+                <a:ea typeface="メイリオ" panose="020B0604030504040204" pitchFamily="50" charset="-128"/>
+              </a:rPr>
+              <a:t>ステージ</a:t>
+            </a:r>
+            <a:r>
+              <a:rPr kumimoji="1" lang="en-US" altLang="ja-JP" sz="1400" dirty="0">
+                <a:latin typeface="メイリオ" panose="020B0604030504040204" pitchFamily="50" charset="-128"/>
+                <a:ea typeface="メイリオ" panose="020B0604030504040204" pitchFamily="50" charset="-128"/>
+              </a:rPr>
+              <a:t>1</a:t>
+            </a:r>
+            <a:r>
+              <a:rPr kumimoji="1" lang="ja-JP" altLang="en-US" sz="1400" dirty="0">
+                <a:latin typeface="メイリオ" panose="020B0604030504040204" pitchFamily="50" charset="-128"/>
+                <a:ea typeface="メイリオ" panose="020B0604030504040204" pitchFamily="50" charset="-128"/>
+              </a:rPr>
+              <a:t>へ</a:t>
+            </a:r>
+          </a:p>
+        </p:txBody>
+      </p:sp>
+      <p:sp>
+        <p:nvSpPr>
+          <p:cNvPr id="7" name="正方形/長方形 6">
+            <a:extLst>
+              <a:ext uri="{FF2B5EF4-FFF2-40B4-BE49-F238E27FC236}">
+                <a16:creationId xmlns:a16="http://schemas.microsoft.com/office/drawing/2014/main" id="{EB4AC5F7-86D9-87B3-9028-D8EE3D5C375A}"/>
+              </a:ext>
+            </a:extLst>
+          </p:cNvPr>
+          <p:cNvSpPr/>
+          <p:nvPr/>
+        </p:nvSpPr>
+        <p:spPr>
+          <a:xfrm>
+            <a:off x="6660000" y="4860000"/>
+            <a:ext cx="900000" cy="360000"/>
+          </a:xfrm>
+          <a:prstGeom prst="rect">
+            <a:avLst/>
+          </a:prstGeom>
+          <a:solidFill>
+            <a:schemeClr val="bg2"/>
+          </a:solidFill>
+          <a:ln>
+            <a:noFill/>
+          </a:ln>
+        </p:spPr>
+        <p:style>
+          <a:lnRef idx="2">
+            <a:schemeClr val="accent1">
+              <a:shade val="15000"/>
+            </a:schemeClr>
+          </a:lnRef>
+          <a:fillRef idx="1">
+            <a:schemeClr val="accent1"/>
+          </a:fillRef>
+          <a:effectRef idx="0">
+            <a:schemeClr val="accent1"/>
+          </a:effectRef>
+          <a:fontRef idx="minor">
+            <a:schemeClr val="lt1"/>
+          </a:fontRef>
+        </p:style>
+        <p:txBody>
+          <a:bodyPr rtlCol="0" anchor="ctr"/>
+          <a:lstStyle/>
+          <a:p>
+            <a:pPr algn="ctr"/>
+            <a:r>
+              <a:rPr kumimoji="1" lang="ja-JP" altLang="en-US" dirty="0">
+                <a:solidFill>
+                  <a:schemeClr val="tx1"/>
+                </a:solidFill>
+              </a:rPr>
+              <a:t>壁</a:t>
+            </a:r>
+          </a:p>
+        </p:txBody>
+      </p:sp>
+      <p:sp>
+        <p:nvSpPr>
+          <p:cNvPr id="8" name="正方形/長方形 7">
+            <a:extLst>
+              <a:ext uri="{FF2B5EF4-FFF2-40B4-BE49-F238E27FC236}">
+                <a16:creationId xmlns:a16="http://schemas.microsoft.com/office/drawing/2014/main" id="{0A530FD1-0F88-90B7-4F58-7CCC189142DF}"/>
+              </a:ext>
+            </a:extLst>
+          </p:cNvPr>
+          <p:cNvSpPr/>
+          <p:nvPr/>
+        </p:nvSpPr>
+        <p:spPr>
+          <a:xfrm>
+            <a:off x="3240000" y="4320000"/>
+            <a:ext cx="900000" cy="360000"/>
+          </a:xfrm>
+          <a:prstGeom prst="rect">
+            <a:avLst/>
+          </a:prstGeom>
+          <a:solidFill>
+            <a:schemeClr val="bg2"/>
+          </a:solidFill>
+          <a:ln>
+            <a:noFill/>
+          </a:ln>
+        </p:spPr>
+        <p:style>
+          <a:lnRef idx="2">
+            <a:schemeClr val="accent1">
+              <a:shade val="15000"/>
+            </a:schemeClr>
+          </a:lnRef>
+          <a:fillRef idx="1">
+            <a:schemeClr val="accent1"/>
+          </a:fillRef>
+          <a:effectRef idx="0">
+            <a:schemeClr val="accent1"/>
+          </a:effectRef>
+          <a:fontRef idx="minor">
+            <a:schemeClr val="lt1"/>
+          </a:fontRef>
+        </p:style>
+        <p:txBody>
+          <a:bodyPr rtlCol="0" anchor="ctr"/>
+          <a:lstStyle/>
+          <a:p>
+            <a:pPr algn="ctr"/>
+            <a:r>
+              <a:rPr kumimoji="1" lang="ja-JP" altLang="en-US" dirty="0">
+                <a:solidFill>
+                  <a:schemeClr val="tx1"/>
+                </a:solidFill>
+              </a:rPr>
+              <a:t>壁</a:t>
+            </a:r>
+          </a:p>
+        </p:txBody>
+      </p:sp>
+      <p:sp>
+        <p:nvSpPr>
+          <p:cNvPr id="9" name="正方形/長方形 8">
+            <a:extLst>
+              <a:ext uri="{FF2B5EF4-FFF2-40B4-BE49-F238E27FC236}">
+                <a16:creationId xmlns:a16="http://schemas.microsoft.com/office/drawing/2014/main" id="{307434A7-88B0-CC93-B112-62C281ABB7BD}"/>
+              </a:ext>
+            </a:extLst>
+          </p:cNvPr>
+          <p:cNvSpPr/>
+          <p:nvPr/>
+        </p:nvSpPr>
+        <p:spPr>
+          <a:xfrm>
+            <a:off x="6840000" y="2709000"/>
+            <a:ext cx="1440000" cy="1440000"/>
+          </a:xfrm>
+          <a:prstGeom prst="rect">
+            <a:avLst/>
+          </a:prstGeom>
+          <a:solidFill>
+            <a:schemeClr val="bg2"/>
+          </a:solidFill>
+          <a:ln>
+            <a:noFill/>
+          </a:ln>
+        </p:spPr>
+        <p:style>
+          <a:lnRef idx="2">
+            <a:schemeClr val="accent1">
+              <a:shade val="15000"/>
+            </a:schemeClr>
+          </a:lnRef>
+          <a:fillRef idx="1">
+            <a:schemeClr val="accent1"/>
+          </a:fillRef>
+          <a:effectRef idx="0">
+            <a:schemeClr val="accent1"/>
+          </a:effectRef>
+          <a:fontRef idx="minor">
+            <a:schemeClr val="lt1"/>
+          </a:fontRef>
+        </p:style>
+        <p:txBody>
+          <a:bodyPr rtlCol="0" anchor="ctr"/>
+          <a:lstStyle/>
+          <a:p>
+            <a:pPr algn="ctr"/>
+            <a:r>
+              <a:rPr kumimoji="1" lang="ja-JP" altLang="en-US" dirty="0">
+                <a:solidFill>
+                  <a:schemeClr val="tx1"/>
+                </a:solidFill>
+              </a:rPr>
+              <a:t>壁</a:t>
+            </a:r>
+          </a:p>
+        </p:txBody>
+      </p:sp>
+      <p:sp>
+        <p:nvSpPr>
+          <p:cNvPr id="10" name="正方形/長方形 9">
+            <a:extLst>
+              <a:ext uri="{FF2B5EF4-FFF2-40B4-BE49-F238E27FC236}">
+                <a16:creationId xmlns:a16="http://schemas.microsoft.com/office/drawing/2014/main" id="{DDCAF6BF-168E-824E-443F-637BC41AE959}"/>
+              </a:ext>
+            </a:extLst>
+          </p:cNvPr>
+          <p:cNvSpPr/>
+          <p:nvPr/>
+        </p:nvSpPr>
+        <p:spPr>
+          <a:xfrm>
+            <a:off x="5760000" y="3960000"/>
+            <a:ext cx="360000" cy="900000"/>
+          </a:xfrm>
+          <a:prstGeom prst="rect">
+            <a:avLst/>
+          </a:prstGeom>
+          <a:solidFill>
+            <a:schemeClr val="bg2"/>
+          </a:solidFill>
+          <a:ln>
+            <a:noFill/>
+          </a:ln>
+        </p:spPr>
+        <p:style>
+          <a:lnRef idx="2">
+            <a:schemeClr val="accent1">
+              <a:shade val="15000"/>
+            </a:schemeClr>
+          </a:lnRef>
+          <a:fillRef idx="1">
+            <a:schemeClr val="accent1"/>
+          </a:fillRef>
+          <a:effectRef idx="0">
+            <a:schemeClr val="accent1"/>
+          </a:effectRef>
+          <a:fontRef idx="minor">
+            <a:schemeClr val="lt1"/>
+          </a:fontRef>
+        </p:style>
+        <p:txBody>
+          <a:bodyPr rtlCol="0" anchor="ctr"/>
+          <a:lstStyle/>
+          <a:p>
+            <a:pPr algn="ctr"/>
+            <a:r>
+              <a:rPr kumimoji="1" lang="ja-JP" altLang="en-US" dirty="0">
+                <a:solidFill>
+                  <a:schemeClr val="tx1"/>
+                </a:solidFill>
+              </a:rPr>
+              <a:t>壁</a:t>
+            </a:r>
+          </a:p>
+        </p:txBody>
+      </p:sp>
+      <p:sp>
+        <p:nvSpPr>
+          <p:cNvPr id="11" name="正方形/長方形 10">
+            <a:extLst>
+              <a:ext uri="{FF2B5EF4-FFF2-40B4-BE49-F238E27FC236}">
+                <a16:creationId xmlns:a16="http://schemas.microsoft.com/office/drawing/2014/main" id="{1F8A17AB-71C7-65A9-BD2D-1F3460998B2C}"/>
+              </a:ext>
+            </a:extLst>
+          </p:cNvPr>
+          <p:cNvSpPr/>
+          <p:nvPr/>
+        </p:nvSpPr>
+        <p:spPr>
+          <a:xfrm>
+            <a:off x="4797565" y="5399589"/>
+            <a:ext cx="360000" cy="900000"/>
+          </a:xfrm>
+          <a:prstGeom prst="rect">
+            <a:avLst/>
+          </a:prstGeom>
+          <a:solidFill>
+            <a:schemeClr val="bg2"/>
+          </a:solidFill>
+          <a:ln>
+            <a:noFill/>
+          </a:ln>
+        </p:spPr>
+        <p:style>
+          <a:lnRef idx="2">
+            <a:schemeClr val="accent1">
+              <a:shade val="15000"/>
+            </a:schemeClr>
+          </a:lnRef>
+          <a:fillRef idx="1">
+            <a:schemeClr val="accent1"/>
+          </a:fillRef>
+          <a:effectRef idx="0">
+            <a:schemeClr val="accent1"/>
+          </a:effectRef>
+          <a:fontRef idx="minor">
+            <a:schemeClr val="lt1"/>
+          </a:fontRef>
+        </p:style>
+        <p:txBody>
+          <a:bodyPr rtlCol="0" anchor="ctr"/>
+          <a:lstStyle/>
+          <a:p>
+            <a:pPr algn="ctr"/>
+            <a:r>
+              <a:rPr kumimoji="1" lang="ja-JP" altLang="en-US" dirty="0">
+                <a:solidFill>
+                  <a:schemeClr val="tx1"/>
+                </a:solidFill>
+              </a:rPr>
+              <a:t>壁</a:t>
+            </a:r>
+          </a:p>
+        </p:txBody>
+      </p:sp>
+      <p:sp>
+        <p:nvSpPr>
+          <p:cNvPr id="12" name="正方形/長方形 11">
+            <a:extLst>
+              <a:ext uri="{FF2B5EF4-FFF2-40B4-BE49-F238E27FC236}">
+                <a16:creationId xmlns:a16="http://schemas.microsoft.com/office/drawing/2014/main" id="{0C3CB949-5739-7B8C-055F-906C5442169A}"/>
+              </a:ext>
+            </a:extLst>
+          </p:cNvPr>
+          <p:cNvSpPr/>
+          <p:nvPr/>
+        </p:nvSpPr>
+        <p:spPr>
+          <a:xfrm>
+            <a:off x="5760000" y="4860000"/>
+            <a:ext cx="900000" cy="360000"/>
+          </a:xfrm>
+          <a:prstGeom prst="rect">
+            <a:avLst/>
+          </a:prstGeom>
+          <a:solidFill>
+            <a:schemeClr val="bg2"/>
+          </a:solidFill>
+          <a:ln>
+            <a:noFill/>
+          </a:ln>
+        </p:spPr>
+        <p:style>
+          <a:lnRef idx="2">
+            <a:schemeClr val="accent1">
+              <a:shade val="15000"/>
+            </a:schemeClr>
+          </a:lnRef>
+          <a:fillRef idx="1">
+            <a:schemeClr val="accent1"/>
+          </a:fillRef>
+          <a:effectRef idx="0">
+            <a:schemeClr val="accent1"/>
+          </a:effectRef>
+          <a:fontRef idx="minor">
+            <a:schemeClr val="lt1"/>
+          </a:fontRef>
+        </p:style>
+        <p:txBody>
+          <a:bodyPr rtlCol="0" anchor="ctr"/>
+          <a:lstStyle/>
+          <a:p>
+            <a:pPr algn="ctr"/>
+            <a:r>
+              <a:rPr kumimoji="1" lang="ja-JP" altLang="en-US" dirty="0">
+                <a:solidFill>
+                  <a:schemeClr val="tx1"/>
+                </a:solidFill>
+              </a:rPr>
+              <a:t>壁</a:t>
+            </a:r>
+          </a:p>
+        </p:txBody>
+      </p:sp>
+      <p:sp>
+        <p:nvSpPr>
+          <p:cNvPr id="13" name="フローチャート: 結合子 12">
+            <a:extLst>
+              <a:ext uri="{FF2B5EF4-FFF2-40B4-BE49-F238E27FC236}">
+                <a16:creationId xmlns:a16="http://schemas.microsoft.com/office/drawing/2014/main" id="{65FFC406-C49E-A83A-A367-43764B1C8AC2}"/>
+              </a:ext>
+            </a:extLst>
+          </p:cNvPr>
+          <p:cNvSpPr/>
+          <p:nvPr/>
+        </p:nvSpPr>
+        <p:spPr>
+          <a:xfrm>
+            <a:off x="5885742" y="2037651"/>
+            <a:ext cx="720000" cy="720000"/>
+          </a:xfrm>
+          <a:prstGeom prst="flowChartConnector">
+            <a:avLst/>
+          </a:prstGeom>
+          <a:solidFill>
+            <a:srgbClr val="FF0000"/>
+          </a:solidFill>
+          <a:ln>
+            <a:noFill/>
+          </a:ln>
+        </p:spPr>
+        <p:style>
+          <a:lnRef idx="2">
+            <a:schemeClr val="accent1">
+              <a:shade val="15000"/>
+            </a:schemeClr>
+          </a:lnRef>
+          <a:fillRef idx="1">
+            <a:schemeClr val="accent1"/>
+          </a:fillRef>
+          <a:effectRef idx="0">
+            <a:schemeClr val="accent1"/>
+          </a:effectRef>
+          <a:fontRef idx="minor">
+            <a:schemeClr val="lt1"/>
+          </a:fontRef>
+        </p:style>
+        <p:txBody>
+          <a:bodyPr rtlCol="0" anchor="ctr"/>
+          <a:lstStyle/>
+          <a:p>
+            <a:pPr algn="ctr"/>
+            <a:r>
+              <a:rPr kumimoji="1" lang="ja-JP" altLang="en-US" sz="1400" dirty="0">
+                <a:solidFill>
+                  <a:schemeClr val="tx1"/>
+                </a:solidFill>
+                <a:latin typeface="メイリオ" panose="020B0604030504040204" pitchFamily="50" charset="-128"/>
+                <a:ea typeface="メイリオ" panose="020B0604030504040204" pitchFamily="50" charset="-128"/>
+              </a:rPr>
+              <a:t>敵</a:t>
+            </a:r>
+            <a:r>
+              <a:rPr kumimoji="1" lang="en-US" altLang="ja-JP" sz="1400" dirty="0">
+                <a:solidFill>
+                  <a:schemeClr val="tx1"/>
+                </a:solidFill>
+                <a:latin typeface="メイリオ" panose="020B0604030504040204" pitchFamily="50" charset="-128"/>
+                <a:ea typeface="メイリオ" panose="020B0604030504040204" pitchFamily="50" charset="-128"/>
+              </a:rPr>
+              <a:t>1</a:t>
+            </a:r>
+            <a:endParaRPr kumimoji="1" lang="ja-JP" altLang="en-US" sz="1400" dirty="0">
+              <a:solidFill>
+                <a:schemeClr val="tx1"/>
+              </a:solidFill>
+              <a:latin typeface="メイリオ" panose="020B0604030504040204" pitchFamily="50" charset="-128"/>
+              <a:ea typeface="メイリオ" panose="020B0604030504040204" pitchFamily="50" charset="-128"/>
+            </a:endParaRPr>
+          </a:p>
+        </p:txBody>
+      </p:sp>
+      <p:cxnSp>
+        <p:nvCxnSpPr>
+          <p:cNvPr id="15" name="直線矢印コネクタ 14">
+            <a:extLst>
+              <a:ext uri="{FF2B5EF4-FFF2-40B4-BE49-F238E27FC236}">
+                <a16:creationId xmlns:a16="http://schemas.microsoft.com/office/drawing/2014/main" id="{1EADF602-6415-787F-385D-18F648859421}"/>
+              </a:ext>
+            </a:extLst>
+          </p:cNvPr>
+          <p:cNvCxnSpPr/>
+          <p:nvPr/>
+        </p:nvCxnSpPr>
+        <p:spPr>
+          <a:xfrm>
+            <a:off x="6711531" y="2397651"/>
+            <a:ext cx="1800000" cy="0"/>
+          </a:xfrm>
+          <a:prstGeom prst="straightConnector1">
+            <a:avLst/>
+          </a:prstGeom>
+          <a:ln>
+            <a:solidFill>
+              <a:srgbClr val="FF0000"/>
+            </a:solidFill>
+            <a:tailEnd type="triangle"/>
+          </a:ln>
+        </p:spPr>
+        <p:style>
+          <a:lnRef idx="2">
+            <a:schemeClr val="accent1"/>
+          </a:lnRef>
+          <a:fillRef idx="0">
+            <a:schemeClr val="accent1"/>
+          </a:fillRef>
+          <a:effectRef idx="1">
+            <a:schemeClr val="accent1"/>
+          </a:effectRef>
+          <a:fontRef idx="minor">
+            <a:schemeClr val="tx1"/>
+          </a:fontRef>
+        </p:style>
+      </p:cxnSp>
+      <p:cxnSp>
+        <p:nvCxnSpPr>
+          <p:cNvPr id="17" name="直線矢印コネクタ 16">
+            <a:extLst>
+              <a:ext uri="{FF2B5EF4-FFF2-40B4-BE49-F238E27FC236}">
+                <a16:creationId xmlns:a16="http://schemas.microsoft.com/office/drawing/2014/main" id="{FC30BDD2-69CA-0785-AD26-08DD23AA5ED9}"/>
+              </a:ext>
+            </a:extLst>
+          </p:cNvPr>
+          <p:cNvCxnSpPr/>
+          <p:nvPr/>
+        </p:nvCxnSpPr>
+        <p:spPr>
+          <a:xfrm>
+            <a:off x="8617320" y="2397651"/>
+            <a:ext cx="0" cy="2160000"/>
+          </a:xfrm>
+          <a:prstGeom prst="straightConnector1">
+            <a:avLst/>
+          </a:prstGeom>
+          <a:ln>
+            <a:solidFill>
+              <a:srgbClr val="FF0000"/>
+            </a:solidFill>
+            <a:tailEnd type="triangle"/>
+          </a:ln>
+        </p:spPr>
+        <p:style>
+          <a:lnRef idx="2">
+            <a:schemeClr val="accent1"/>
+          </a:lnRef>
+          <a:fillRef idx="0">
+            <a:schemeClr val="accent1"/>
+          </a:fillRef>
+          <a:effectRef idx="1">
+            <a:schemeClr val="accent1"/>
+          </a:effectRef>
+          <a:fontRef idx="minor">
+            <a:schemeClr val="tx1"/>
+          </a:fontRef>
+        </p:style>
+      </p:cxnSp>
+      <p:cxnSp>
+        <p:nvCxnSpPr>
+          <p:cNvPr id="19" name="直線矢印コネクタ 18">
+            <a:extLst>
+              <a:ext uri="{FF2B5EF4-FFF2-40B4-BE49-F238E27FC236}">
+                <a16:creationId xmlns:a16="http://schemas.microsoft.com/office/drawing/2014/main" id="{66CAC8FD-3F75-0DD9-1FB2-D065C9C0AEBF}"/>
+              </a:ext>
+            </a:extLst>
+          </p:cNvPr>
+          <p:cNvCxnSpPr/>
+          <p:nvPr/>
+        </p:nvCxnSpPr>
+        <p:spPr>
+          <a:xfrm flipH="1">
+            <a:off x="6480000" y="4680000"/>
+            <a:ext cx="2160000" cy="0"/>
+          </a:xfrm>
+          <a:prstGeom prst="straightConnector1">
+            <a:avLst/>
+          </a:prstGeom>
+          <a:ln>
+            <a:solidFill>
+              <a:srgbClr val="FF0000"/>
+            </a:solidFill>
+            <a:tailEnd type="triangle"/>
+          </a:ln>
+        </p:spPr>
+        <p:style>
+          <a:lnRef idx="2">
+            <a:schemeClr val="accent1"/>
+          </a:lnRef>
+          <a:fillRef idx="0">
+            <a:schemeClr val="accent1"/>
+          </a:fillRef>
+          <a:effectRef idx="1">
+            <a:schemeClr val="accent1"/>
+          </a:effectRef>
+          <a:fontRef idx="minor">
+            <a:schemeClr val="tx1"/>
+          </a:fontRef>
+        </p:style>
+      </p:cxnSp>
+      <p:cxnSp>
+        <p:nvCxnSpPr>
+          <p:cNvPr id="21" name="直線矢印コネクタ 20">
+            <a:extLst>
+              <a:ext uri="{FF2B5EF4-FFF2-40B4-BE49-F238E27FC236}">
+                <a16:creationId xmlns:a16="http://schemas.microsoft.com/office/drawing/2014/main" id="{C0458FBF-87FA-7966-A734-12F6BD87FAD5}"/>
+              </a:ext>
+            </a:extLst>
+          </p:cNvPr>
+          <p:cNvCxnSpPr/>
+          <p:nvPr/>
+        </p:nvCxnSpPr>
+        <p:spPr>
+          <a:xfrm flipV="1">
+            <a:off x="6338982" y="2880000"/>
+            <a:ext cx="0" cy="1800000"/>
+          </a:xfrm>
+          <a:prstGeom prst="straightConnector1">
+            <a:avLst/>
+          </a:prstGeom>
+          <a:ln>
+            <a:solidFill>
+              <a:srgbClr val="FF0000"/>
+            </a:solidFill>
+            <a:tailEnd type="triangle"/>
+          </a:ln>
+        </p:spPr>
+        <p:style>
+          <a:lnRef idx="2">
+            <a:schemeClr val="accent1"/>
+          </a:lnRef>
+          <a:fillRef idx="0">
+            <a:schemeClr val="accent1"/>
+          </a:fillRef>
+          <a:effectRef idx="1">
+            <a:schemeClr val="accent1"/>
+          </a:effectRef>
+          <a:fontRef idx="minor">
+            <a:schemeClr val="tx1"/>
+          </a:fontRef>
+        </p:style>
+      </p:cxnSp>
+      <p:sp>
+        <p:nvSpPr>
+          <p:cNvPr id="14" name="正方形/長方形 13">
+            <a:extLst>
+              <a:ext uri="{FF2B5EF4-FFF2-40B4-BE49-F238E27FC236}">
+                <a16:creationId xmlns:a16="http://schemas.microsoft.com/office/drawing/2014/main" id="{868C46DA-853A-2CDE-1C6B-3D0464128043}"/>
+              </a:ext>
+            </a:extLst>
+          </p:cNvPr>
+          <p:cNvSpPr/>
+          <p:nvPr/>
+        </p:nvSpPr>
+        <p:spPr>
+          <a:xfrm>
+            <a:off x="3780000" y="1800000"/>
+            <a:ext cx="1440000" cy="1440000"/>
+          </a:xfrm>
+          <a:prstGeom prst="rect">
+            <a:avLst/>
+          </a:prstGeom>
+          <a:solidFill>
+            <a:schemeClr val="bg2"/>
+          </a:solidFill>
+          <a:ln>
+            <a:noFill/>
+          </a:ln>
+        </p:spPr>
+        <p:style>
+          <a:lnRef idx="2">
+            <a:schemeClr val="accent1">
+              <a:shade val="15000"/>
+            </a:schemeClr>
+          </a:lnRef>
+          <a:fillRef idx="1">
+            <a:schemeClr val="accent1"/>
+          </a:fillRef>
+          <a:effectRef idx="0">
+            <a:schemeClr val="accent1"/>
+          </a:effectRef>
+          <a:fontRef idx="minor">
+            <a:schemeClr val="lt1"/>
+          </a:fontRef>
+        </p:style>
+        <p:txBody>
+          <a:bodyPr rtlCol="0" anchor="ctr"/>
+          <a:lstStyle/>
+          <a:p>
+            <a:pPr algn="ctr"/>
+            <a:r>
+              <a:rPr kumimoji="1" lang="ja-JP" altLang="en-US" dirty="0">
+                <a:solidFill>
+                  <a:schemeClr val="tx1"/>
+                </a:solidFill>
+              </a:rPr>
+              <a:t>壁</a:t>
+            </a:r>
+          </a:p>
+        </p:txBody>
+      </p:sp>
+      <p:sp>
+        <p:nvSpPr>
+          <p:cNvPr id="16" name="フローチャート: 結合子 15">
+            <a:extLst>
+              <a:ext uri="{FF2B5EF4-FFF2-40B4-BE49-F238E27FC236}">
+                <a16:creationId xmlns:a16="http://schemas.microsoft.com/office/drawing/2014/main" id="{744D81BD-093D-F329-FB16-B6D9D57180A1}"/>
+              </a:ext>
+            </a:extLst>
+          </p:cNvPr>
+          <p:cNvSpPr/>
+          <p:nvPr/>
+        </p:nvSpPr>
+        <p:spPr>
+          <a:xfrm>
+            <a:off x="3330000" y="966745"/>
+            <a:ext cx="720000" cy="720000"/>
+          </a:xfrm>
+          <a:prstGeom prst="flowChartConnector">
+            <a:avLst/>
+          </a:prstGeom>
+          <a:solidFill>
+            <a:srgbClr val="FF0000"/>
+          </a:solidFill>
+          <a:ln>
+            <a:noFill/>
+          </a:ln>
+        </p:spPr>
+        <p:style>
+          <a:lnRef idx="2">
+            <a:schemeClr val="accent1">
+              <a:shade val="15000"/>
+            </a:schemeClr>
+          </a:lnRef>
+          <a:fillRef idx="1">
+            <a:schemeClr val="accent1"/>
+          </a:fillRef>
+          <a:effectRef idx="0">
+            <a:schemeClr val="accent1"/>
+          </a:effectRef>
+          <a:fontRef idx="minor">
+            <a:schemeClr val="lt1"/>
+          </a:fontRef>
+        </p:style>
+        <p:txBody>
+          <a:bodyPr rtlCol="0" anchor="ctr"/>
+          <a:lstStyle/>
+          <a:p>
+            <a:pPr algn="ctr"/>
+            <a:r>
+              <a:rPr kumimoji="1" lang="ja-JP" altLang="en-US" sz="1400" dirty="0">
+                <a:solidFill>
+                  <a:schemeClr val="tx1"/>
+                </a:solidFill>
+                <a:latin typeface="メイリオ" panose="020B0604030504040204" pitchFamily="50" charset="-128"/>
+                <a:ea typeface="メイリオ" panose="020B0604030504040204" pitchFamily="50" charset="-128"/>
+              </a:rPr>
+              <a:t>敵</a:t>
+            </a:r>
+            <a:r>
+              <a:rPr lang="en-US" altLang="ja-JP" sz="1400" dirty="0">
+                <a:solidFill>
+                  <a:schemeClr val="tx1"/>
+                </a:solidFill>
+                <a:latin typeface="メイリオ" panose="020B0604030504040204" pitchFamily="50" charset="-128"/>
+                <a:ea typeface="メイリオ" panose="020B0604030504040204" pitchFamily="50" charset="-128"/>
+              </a:rPr>
+              <a:t>2</a:t>
+            </a:r>
+            <a:endParaRPr kumimoji="1" lang="ja-JP" altLang="en-US" sz="1400" dirty="0">
+              <a:solidFill>
+                <a:schemeClr val="tx1"/>
+              </a:solidFill>
+              <a:latin typeface="メイリオ" panose="020B0604030504040204" pitchFamily="50" charset="-128"/>
+              <a:ea typeface="メイリオ" panose="020B0604030504040204" pitchFamily="50" charset="-128"/>
+            </a:endParaRPr>
+          </a:p>
+        </p:txBody>
+      </p:sp>
+      <p:cxnSp>
+        <p:nvCxnSpPr>
+          <p:cNvPr id="18" name="直線矢印コネクタ 17">
+            <a:extLst>
+              <a:ext uri="{FF2B5EF4-FFF2-40B4-BE49-F238E27FC236}">
+                <a16:creationId xmlns:a16="http://schemas.microsoft.com/office/drawing/2014/main" id="{274B4C93-6F60-D309-6D46-C349FF214833}"/>
+              </a:ext>
+            </a:extLst>
+          </p:cNvPr>
+          <p:cNvCxnSpPr>
+            <a:cxnSpLocks/>
+          </p:cNvCxnSpPr>
+          <p:nvPr/>
+        </p:nvCxnSpPr>
+        <p:spPr>
+          <a:xfrm>
+            <a:off x="4192576" y="1309945"/>
+            <a:ext cx="1080000" cy="0"/>
+          </a:xfrm>
+          <a:prstGeom prst="straightConnector1">
+            <a:avLst/>
+          </a:prstGeom>
+          <a:ln>
+            <a:solidFill>
+              <a:srgbClr val="FF0000"/>
+            </a:solidFill>
+            <a:tailEnd type="triangle"/>
+          </a:ln>
+        </p:spPr>
+        <p:style>
+          <a:lnRef idx="2">
+            <a:schemeClr val="accent1"/>
+          </a:lnRef>
+          <a:fillRef idx="0">
+            <a:schemeClr val="accent1"/>
+          </a:fillRef>
+          <a:effectRef idx="1">
+            <a:schemeClr val="accent1"/>
+          </a:effectRef>
+          <a:fontRef idx="minor">
+            <a:schemeClr val="tx1"/>
+          </a:fontRef>
+        </p:style>
+      </p:cxnSp>
+      <p:cxnSp>
+        <p:nvCxnSpPr>
+          <p:cNvPr id="22" name="直線矢印コネクタ 21">
+            <a:extLst>
+              <a:ext uri="{FF2B5EF4-FFF2-40B4-BE49-F238E27FC236}">
+                <a16:creationId xmlns:a16="http://schemas.microsoft.com/office/drawing/2014/main" id="{AD4BC212-2AFD-D11B-A169-771096ED1119}"/>
+              </a:ext>
+            </a:extLst>
+          </p:cNvPr>
+          <p:cNvCxnSpPr/>
+          <p:nvPr/>
+        </p:nvCxnSpPr>
+        <p:spPr>
+          <a:xfrm>
+            <a:off x="5525742" y="1387826"/>
+            <a:ext cx="0" cy="2160000"/>
+          </a:xfrm>
+          <a:prstGeom prst="straightConnector1">
+            <a:avLst/>
+          </a:prstGeom>
+          <a:ln>
+            <a:solidFill>
+              <a:srgbClr val="FF0000"/>
+            </a:solidFill>
+            <a:tailEnd type="triangle"/>
+          </a:ln>
+        </p:spPr>
+        <p:style>
+          <a:lnRef idx="2">
+            <a:schemeClr val="accent1"/>
+          </a:lnRef>
+          <a:fillRef idx="0">
+            <a:schemeClr val="accent1"/>
+          </a:fillRef>
+          <a:effectRef idx="1">
+            <a:schemeClr val="accent1"/>
+          </a:effectRef>
+          <a:fontRef idx="minor">
+            <a:schemeClr val="tx1"/>
+          </a:fontRef>
+        </p:style>
+      </p:cxnSp>
+      <p:cxnSp>
+        <p:nvCxnSpPr>
+          <p:cNvPr id="23" name="直線矢印コネクタ 22">
+            <a:extLst>
+              <a:ext uri="{FF2B5EF4-FFF2-40B4-BE49-F238E27FC236}">
+                <a16:creationId xmlns:a16="http://schemas.microsoft.com/office/drawing/2014/main" id="{DD049A67-BD6D-3DC8-F14C-152346996502}"/>
+              </a:ext>
+            </a:extLst>
+          </p:cNvPr>
+          <p:cNvCxnSpPr/>
+          <p:nvPr/>
+        </p:nvCxnSpPr>
+        <p:spPr>
+          <a:xfrm flipH="1">
+            <a:off x="3725742" y="3918000"/>
+            <a:ext cx="1800000" cy="0"/>
+          </a:xfrm>
+          <a:prstGeom prst="straightConnector1">
+            <a:avLst/>
+          </a:prstGeom>
+          <a:ln>
+            <a:solidFill>
+              <a:srgbClr val="FF0000"/>
+            </a:solidFill>
+            <a:tailEnd type="triangle"/>
+          </a:ln>
+        </p:spPr>
+        <p:style>
+          <a:lnRef idx="2">
+            <a:schemeClr val="accent1"/>
+          </a:lnRef>
+          <a:fillRef idx="0">
+            <a:schemeClr val="accent1"/>
+          </a:fillRef>
+          <a:effectRef idx="1">
+            <a:schemeClr val="accent1"/>
+          </a:effectRef>
+          <a:fontRef idx="minor">
+            <a:schemeClr val="tx1"/>
+          </a:fontRef>
+        </p:style>
+      </p:cxnSp>
+      <p:cxnSp>
+        <p:nvCxnSpPr>
+          <p:cNvPr id="24" name="直線矢印コネクタ 23">
+            <a:extLst>
+              <a:ext uri="{FF2B5EF4-FFF2-40B4-BE49-F238E27FC236}">
+                <a16:creationId xmlns:a16="http://schemas.microsoft.com/office/drawing/2014/main" id="{8276E99E-AA88-A401-670E-DFBB479FC56B}"/>
+              </a:ext>
+            </a:extLst>
+          </p:cNvPr>
+          <p:cNvCxnSpPr/>
+          <p:nvPr/>
+        </p:nvCxnSpPr>
+        <p:spPr>
+          <a:xfrm flipV="1">
+            <a:off x="3467330" y="1980000"/>
+            <a:ext cx="0" cy="1800000"/>
+          </a:xfrm>
+          <a:prstGeom prst="straightConnector1">
+            <a:avLst/>
+          </a:prstGeom>
+          <a:ln>
+            <a:solidFill>
+              <a:srgbClr val="FF0000"/>
+            </a:solidFill>
+            <a:tailEnd type="triangle"/>
+          </a:ln>
+        </p:spPr>
+        <p:style>
+          <a:lnRef idx="2">
+            <a:schemeClr val="accent1"/>
+          </a:lnRef>
+          <a:fillRef idx="0">
+            <a:schemeClr val="accent1"/>
+          </a:fillRef>
+          <a:effectRef idx="1">
+            <a:schemeClr val="accent1"/>
+          </a:effectRef>
+          <a:fontRef idx="minor">
+            <a:schemeClr val="tx1"/>
+          </a:fontRef>
+        </p:style>
+      </p:cxnSp>
+    </p:spTree>
+    <p:extLst>
+      <p:ext uri="{BB962C8B-B14F-4D97-AF65-F5344CB8AC3E}">
+        <p14:creationId xmlns:p14="http://schemas.microsoft.com/office/powerpoint/2010/main" val="814584094"/>
+      </p:ext>
+    </p:extLst>
+  </p:cSld>
+  <p:clrMapOvr>
+    <a:masterClrMapping/>
+  </p:clrMapOvr>
+</p:sld>
+</file>
+
+<file path=ppt/slides/slide6.xml><?xml version="1.0" encoding="utf-8"?>
 <p:sld xmlns:a="http://schemas.openxmlformats.org/drawingml/2006/main" xmlns:r="http://schemas.openxmlformats.org/officeDocument/2006/relationships" xmlns:p="http://schemas.openxmlformats.org/presentationml/2006/main">
   <p:cSld>
     <p:spTree>
